--- a/Product_Demo/Presenation.pptx
+++ b/Product_Demo/Presenation.pptx
@@ -243,7 +243,7 @@
           <a:p>
             <a:fld id="{7C4BDE61-105E-4C8A-9370-EE26862DA328}" type="datetimeFigureOut">
               <a:rPr lang="en-US" smtClean="0"/>
-              <a:t>11/13/2020</a:t>
+              <a:t>1/7/2021</a:t>
             </a:fld>
             <a:endParaRPr lang="en-US" dirty="0"/>
           </a:p>
@@ -420,7 +420,7 @@
           <a:p>
             <a:fld id="{11F9E564-F46A-4B13-9263-4DBEDE3F3E54}" type="datetimeFigureOut">
               <a:rPr lang="en-US" noProof="0" smtClean="0"/>
-              <a:t>11/13/2020</a:t>
+              <a:t>1/7/2021</a:t>
             </a:fld>
             <a:endParaRPr lang="en-US" noProof="0" dirty="0"/>
           </a:p>
@@ -30905,7 +30905,7 @@
           <a:p>
             <a:r>
               <a:rPr lang="en-US" dirty="0"/>
-              <a:t>https://akpemailapp.herokuapp.com/</a:t>
+              <a:t>https://akpmailer.herokuapp.com/</a:t>
             </a:r>
           </a:p>
         </p:txBody>
@@ -32177,12 +32177,11 @@
 </file>
 
 <file path=customXml/item1.xml><?xml version="1.0" encoding="utf-8"?>
-<?mso-contentType ?>
-<FormTemplates xmlns="http://schemas.microsoft.com/sharepoint/v3/contenttype/forms">
-  <Display>DocumentLibraryForm</Display>
-  <Edit>DocumentLibraryForm</Edit>
-  <New>DocumentLibraryForm</New>
-</FormTemplates>
+<p:properties xmlns:p="http://schemas.microsoft.com/office/2006/metadata/properties" xmlns:xsi="http://www.w3.org/2001/XMLSchema-instance" xmlns:pc="http://schemas.microsoft.com/office/infopath/2007/PartnerControls">
+  <documentManagement>
+    <MediaServiceKeyPoints xmlns="71af3243-3dd4-4a8d-8c0d-dd76da1f02a5" xsi:nil="true"/>
+  </documentManagement>
+</p:properties>
 </file>
 
 <file path=customXml/item2.xml><?xml version="1.0" encoding="utf-8"?>
@@ -32397,17 +32396,20 @@
 </file>
 
 <file path=customXml/item3.xml><?xml version="1.0" encoding="utf-8"?>
-<p:properties xmlns:p="http://schemas.microsoft.com/office/2006/metadata/properties" xmlns:xsi="http://www.w3.org/2001/XMLSchema-instance" xmlns:pc="http://schemas.microsoft.com/office/infopath/2007/PartnerControls">
-  <documentManagement>
-    <MediaServiceKeyPoints xmlns="71af3243-3dd4-4a8d-8c0d-dd76da1f02a5" xsi:nil="true"/>
-  </documentManagement>
-</p:properties>
+<?mso-contentType ?>
+<FormTemplates xmlns="http://schemas.microsoft.com/sharepoint/v3/contenttype/forms">
+  <Display>DocumentLibraryForm</Display>
+  <Edit>DocumentLibraryForm</Edit>
+  <New>DocumentLibraryForm</New>
+</FormTemplates>
 </file>
 
 <file path=customXml/itemProps1.xml><?xml version="1.0" encoding="utf-8"?>
-<ds:datastoreItem xmlns:ds="http://schemas.openxmlformats.org/officeDocument/2006/customXml" ds:itemID="{D935F702-06A3-47B5-A78B-5ADAC21E3B12}">
+<ds:datastoreItem xmlns:ds="http://schemas.openxmlformats.org/officeDocument/2006/customXml" ds:itemID="{74EEFE3F-2FB4-416D-9B9D-A1CF27862478}">
   <ds:schemaRefs>
-    <ds:schemaRef ds:uri="http://schemas.microsoft.com/sharepoint/v3/contenttype/forms"/>
+    <ds:schemaRef ds:uri="http://schemas.microsoft.com/office/2006/metadata/properties"/>
+    <ds:schemaRef ds:uri="http://schemas.microsoft.com/office/infopath/2007/PartnerControls"/>
+    <ds:schemaRef ds:uri="71af3243-3dd4-4a8d-8c0d-dd76da1f02a5"/>
   </ds:schemaRefs>
 </ds:datastoreItem>
 </file>
@@ -32432,11 +32434,9 @@
 </file>
 
 <file path=customXml/itemProps3.xml><?xml version="1.0" encoding="utf-8"?>
-<ds:datastoreItem xmlns:ds="http://schemas.openxmlformats.org/officeDocument/2006/customXml" ds:itemID="{74EEFE3F-2FB4-416D-9B9D-A1CF27862478}">
+<ds:datastoreItem xmlns:ds="http://schemas.openxmlformats.org/officeDocument/2006/customXml" ds:itemID="{D935F702-06A3-47B5-A78B-5ADAC21E3B12}">
   <ds:schemaRefs>
-    <ds:schemaRef ds:uri="http://schemas.microsoft.com/office/2006/metadata/properties"/>
-    <ds:schemaRef ds:uri="http://schemas.microsoft.com/office/infopath/2007/PartnerControls"/>
-    <ds:schemaRef ds:uri="71af3243-3dd4-4a8d-8c0d-dd76da1f02a5"/>
+    <ds:schemaRef ds:uri="http://schemas.microsoft.com/sharepoint/v3/contenttype/forms"/>
   </ds:schemaRefs>
 </ds:datastoreItem>
 </file>